--- a/lectures/17.2/17.2.pptx
+++ b/lectures/17.2/17.2.pptx
@@ -5,7 +5,7 @@
     <p:sldMasterId id="2147483648" r:id="rId1"/>
   </p:sldMasterIdLst>
   <p:notesMasterIdLst>
-    <p:notesMasterId r:id="rId12"/>
+    <p:notesMasterId r:id="rId13"/>
   </p:notesMasterIdLst>
   <p:sldIdLst>
     <p:sldId id="256" r:id="rId2"/>
@@ -14,10 +14,11 @@
     <p:sldId id="291" r:id="rId5"/>
     <p:sldId id="294" r:id="rId6"/>
     <p:sldId id="293" r:id="rId7"/>
-    <p:sldId id="295" r:id="rId8"/>
-    <p:sldId id="296" r:id="rId9"/>
-    <p:sldId id="297" r:id="rId10"/>
-    <p:sldId id="298" r:id="rId11"/>
+    <p:sldId id="299" r:id="rId8"/>
+    <p:sldId id="295" r:id="rId9"/>
+    <p:sldId id="296" r:id="rId10"/>
+    <p:sldId id="297" r:id="rId11"/>
+    <p:sldId id="298" r:id="rId12"/>
   </p:sldIdLst>
   <p:sldSz cx="12192000" cy="6858000"/>
   <p:notesSz cx="6858000" cy="9144000"/>
@@ -206,7 +207,7 @@
           <a:p>
             <a:fld id="{2E639255-6A42-2443-ADB7-D6469D3C0FBC}" type="datetimeFigureOut">
               <a:rPr lang="en-US" smtClean="0"/>
-              <a:t>1/14/19</a:t>
+              <a:t>1/15/19</a:t>
             </a:fld>
             <a:endParaRPr lang="en-US"/>
           </a:p>
@@ -602,7 +603,7 @@
           <a:p>
             <a:fld id="{97B8F1CC-AC34-3141-9583-7F6B7488CE2D}" type="datetimeFigureOut">
               <a:rPr lang="en-US" smtClean="0"/>
-              <a:t>1/14/19</a:t>
+              <a:t>1/15/19</a:t>
             </a:fld>
             <a:endParaRPr lang="en-US"/>
           </a:p>
@@ -770,7 +771,7 @@
           <a:p>
             <a:fld id="{97B8F1CC-AC34-3141-9583-7F6B7488CE2D}" type="datetimeFigureOut">
               <a:rPr lang="en-US" smtClean="0"/>
-              <a:t>1/14/19</a:t>
+              <a:t>1/15/19</a:t>
             </a:fld>
             <a:endParaRPr lang="en-US"/>
           </a:p>
@@ -948,7 +949,7 @@
           <a:p>
             <a:fld id="{97B8F1CC-AC34-3141-9583-7F6B7488CE2D}" type="datetimeFigureOut">
               <a:rPr lang="en-US" smtClean="0"/>
-              <a:t>1/14/19</a:t>
+              <a:t>1/15/19</a:t>
             </a:fld>
             <a:endParaRPr lang="en-US"/>
           </a:p>
@@ -1116,7 +1117,7 @@
           <a:p>
             <a:fld id="{97B8F1CC-AC34-3141-9583-7F6B7488CE2D}" type="datetimeFigureOut">
               <a:rPr lang="en-US" smtClean="0"/>
-              <a:t>1/14/19</a:t>
+              <a:t>1/15/19</a:t>
             </a:fld>
             <a:endParaRPr lang="en-US"/>
           </a:p>
@@ -1361,7 +1362,7 @@
           <a:p>
             <a:fld id="{97B8F1CC-AC34-3141-9583-7F6B7488CE2D}" type="datetimeFigureOut">
               <a:rPr lang="en-US" smtClean="0"/>
-              <a:t>1/14/19</a:t>
+              <a:t>1/15/19</a:t>
             </a:fld>
             <a:endParaRPr lang="en-US"/>
           </a:p>
@@ -1590,7 +1591,7 @@
           <a:p>
             <a:fld id="{97B8F1CC-AC34-3141-9583-7F6B7488CE2D}" type="datetimeFigureOut">
               <a:rPr lang="en-US" smtClean="0"/>
-              <a:t>1/14/19</a:t>
+              <a:t>1/15/19</a:t>
             </a:fld>
             <a:endParaRPr lang="en-US"/>
           </a:p>
@@ -1954,7 +1955,7 @@
           <a:p>
             <a:fld id="{97B8F1CC-AC34-3141-9583-7F6B7488CE2D}" type="datetimeFigureOut">
               <a:rPr lang="en-US" smtClean="0"/>
-              <a:t>1/14/19</a:t>
+              <a:t>1/15/19</a:t>
             </a:fld>
             <a:endParaRPr lang="en-US"/>
           </a:p>
@@ -2071,7 +2072,7 @@
           <a:p>
             <a:fld id="{97B8F1CC-AC34-3141-9583-7F6B7488CE2D}" type="datetimeFigureOut">
               <a:rPr lang="en-US" smtClean="0"/>
-              <a:t>1/14/19</a:t>
+              <a:t>1/15/19</a:t>
             </a:fld>
             <a:endParaRPr lang="en-US"/>
           </a:p>
@@ -2166,7 +2167,7 @@
           <a:p>
             <a:fld id="{97B8F1CC-AC34-3141-9583-7F6B7488CE2D}" type="datetimeFigureOut">
               <a:rPr lang="en-US" smtClean="0"/>
-              <a:t>1/14/19</a:t>
+              <a:t>1/15/19</a:t>
             </a:fld>
             <a:endParaRPr lang="en-US"/>
           </a:p>
@@ -2441,7 +2442,7 @@
           <a:p>
             <a:fld id="{97B8F1CC-AC34-3141-9583-7F6B7488CE2D}" type="datetimeFigureOut">
               <a:rPr lang="en-US" smtClean="0"/>
-              <a:t>1/14/19</a:t>
+              <a:t>1/15/19</a:t>
             </a:fld>
             <a:endParaRPr lang="en-US"/>
           </a:p>
@@ -2693,7 +2694,7 @@
           <a:p>
             <a:fld id="{97B8F1CC-AC34-3141-9583-7F6B7488CE2D}" type="datetimeFigureOut">
               <a:rPr lang="en-US" smtClean="0"/>
-              <a:t>1/14/19</a:t>
+              <a:t>1/15/19</a:t>
             </a:fld>
             <a:endParaRPr lang="en-US"/>
           </a:p>
@@ -2904,7 +2905,7 @@
           <a:p>
             <a:fld id="{97B8F1CC-AC34-3141-9583-7F6B7488CE2D}" type="datetimeFigureOut">
               <a:rPr lang="en-US" smtClean="0"/>
-              <a:t>1/14/19</a:t>
+              <a:t>1/15/19</a:t>
             </a:fld>
             <a:endParaRPr lang="en-US"/>
           </a:p>
@@ -3425,6 +3426,96 @@
           <a:chExt cx="0" cy="0"/>
         </a:xfrm>
       </p:grpSpPr>
+      <p:pic>
+        <p:nvPicPr>
+          <p:cNvPr id="5" name="Picture 4">
+            <a:extLst>
+              <a:ext uri="{FF2B5EF4-FFF2-40B4-BE49-F238E27FC236}">
+                <a16:creationId xmlns:a16="http://schemas.microsoft.com/office/drawing/2014/main" id="{2A4CFB62-C148-1749-843D-74C4F6041065}"/>
+              </a:ext>
+            </a:extLst>
+          </p:cNvPr>
+          <p:cNvPicPr>
+            <a:picLocks noChangeAspect="1"/>
+          </p:cNvPicPr>
+          <p:nvPr/>
+        </p:nvPicPr>
+        <p:blipFill>
+          <a:blip r:embed="rId2"/>
+          <a:stretch>
+            <a:fillRect/>
+          </a:stretch>
+        </p:blipFill>
+        <p:spPr>
+          <a:xfrm>
+            <a:off x="1932940" y="665480"/>
+            <a:ext cx="7797800" cy="469900"/>
+          </a:xfrm>
+          <a:prstGeom prst="rect">
+            <a:avLst/>
+          </a:prstGeom>
+        </p:spPr>
+      </p:pic>
+      <p:pic>
+        <p:nvPicPr>
+          <p:cNvPr id="7" name="Picture 6">
+            <a:extLst>
+              <a:ext uri="{FF2B5EF4-FFF2-40B4-BE49-F238E27FC236}">
+                <a16:creationId xmlns:a16="http://schemas.microsoft.com/office/drawing/2014/main" id="{7D12D3C0-71A4-3F47-8ACE-C2E2D1F614AF}"/>
+              </a:ext>
+            </a:extLst>
+          </p:cNvPr>
+          <p:cNvPicPr>
+            <a:picLocks noChangeAspect="1"/>
+          </p:cNvPicPr>
+          <p:nvPr/>
+        </p:nvPicPr>
+        <p:blipFill>
+          <a:blip r:embed="rId3"/>
+          <a:stretch>
+            <a:fillRect/>
+          </a:stretch>
+        </p:blipFill>
+        <p:spPr>
+          <a:xfrm>
+            <a:off x="1932940" y="1033780"/>
+            <a:ext cx="8331200" cy="5143500"/>
+          </a:xfrm>
+          <a:prstGeom prst="rect">
+            <a:avLst/>
+          </a:prstGeom>
+        </p:spPr>
+      </p:pic>
+    </p:spTree>
+    <p:extLst>
+      <p:ext uri="{BB962C8B-B14F-4D97-AF65-F5344CB8AC3E}">
+        <p14:creationId xmlns:p14="http://schemas.microsoft.com/office/powerpoint/2010/main" val="2616707895"/>
+      </p:ext>
+    </p:extLst>
+  </p:cSld>
+  <p:clrMapOvr>
+    <a:masterClrMapping/>
+  </p:clrMapOvr>
+</p:sld>
+</file>
+
+<file path=ppt/slides/slide11.xml><?xml version="1.0" encoding="utf-8"?>
+<p:sld xmlns:a="http://schemas.openxmlformats.org/drawingml/2006/main" xmlns:r="http://schemas.openxmlformats.org/officeDocument/2006/relationships" xmlns:p="http://schemas.openxmlformats.org/presentationml/2006/main">
+  <p:cSld>
+    <p:spTree>
+      <p:nvGrpSpPr>
+        <p:cNvPr id="1" name=""/>
+        <p:cNvGrpSpPr/>
+        <p:nvPr/>
+      </p:nvGrpSpPr>
+      <p:grpSpPr>
+        <a:xfrm>
+          <a:off x="0" y="0"/>
+          <a:ext cx="0" cy="0"/>
+          <a:chOff x="0" y="0"/>
+          <a:chExt cx="0" cy="0"/>
+        </a:xfrm>
+      </p:grpSpPr>
       <p:sp>
         <p:nvSpPr>
           <p:cNvPr id="2" name="Title 1">
@@ -6535,7 +6626,7 @@
     </p:spTree>
     <p:extLst>
       <p:ext uri="{BB962C8B-B14F-4D97-AF65-F5344CB8AC3E}">
-        <p14:creationId xmlns:p14="http://schemas.microsoft.com/office/powerpoint/2010/main" val="145387107"/>
+        <p14:creationId xmlns:p14="http://schemas.microsoft.com/office/powerpoint/2010/main" val="4004563450"/>
       </p:ext>
     </p:extLst>
   </p:cSld>
@@ -6567,7 +6658,7 @@
           <p:cNvPr id="2" name="Title 1">
             <a:extLst>
               <a:ext uri="{FF2B5EF4-FFF2-40B4-BE49-F238E27FC236}">
-                <a16:creationId xmlns:a16="http://schemas.microsoft.com/office/drawing/2014/main" id="{1607F956-EB90-8C4F-A8C0-F2357A741713}"/>
+                <a16:creationId xmlns:a16="http://schemas.microsoft.com/office/drawing/2014/main" id="{FAE4A9F3-DFD2-9247-B775-CD6BB58FC779}"/>
               </a:ext>
             </a:extLst>
           </p:cNvPr>
@@ -6578,48 +6669,107 @@
             <p:ph type="title"/>
           </p:nvPr>
         </p:nvSpPr>
-        <p:spPr/>
+        <p:spPr>
+          <a:xfrm>
+            <a:off x="167640" y="0"/>
+            <a:ext cx="10515600" cy="1325563"/>
+          </a:xfrm>
+        </p:spPr>
         <p:txBody>
           <a:bodyPr/>
           <a:lstStyle/>
           <a:p>
-            <a:endParaRPr lang="en-GB"/>
-          </a:p>
-        </p:txBody>
-      </p:sp>
-      <p:pic>
-        <p:nvPicPr>
-          <p:cNvPr id="5" name="Content Placeholder 4">
+            <a:r>
+              <a:rPr lang="en" dirty="0" err="1"/>
+              <a:t>Evaluering</a:t>
+            </a:r>
+            <a:r>
+              <a:rPr lang="en" dirty="0"/>
+              <a:t> </a:t>
+            </a:r>
+            <a:r>
+              <a:rPr lang="en" dirty="0" err="1"/>
+              <a:t>af</a:t>
+            </a:r>
+            <a:r>
+              <a:rPr lang="en" dirty="0"/>
+              <a:t> Learning to program with F#</a:t>
+            </a:r>
+            <a:endParaRPr lang="en-GB" dirty="0"/>
+          </a:p>
+        </p:txBody>
+      </p:sp>
+      <p:sp>
+        <p:nvSpPr>
+          <p:cNvPr id="6" name="Rectangle 5">
             <a:extLst>
               <a:ext uri="{FF2B5EF4-FFF2-40B4-BE49-F238E27FC236}">
-                <a16:creationId xmlns:a16="http://schemas.microsoft.com/office/drawing/2014/main" id="{92E022D4-3D21-6148-B698-E24EADAF3B8A}"/>
+                <a16:creationId xmlns:a16="http://schemas.microsoft.com/office/drawing/2014/main" id="{884841AD-EB78-8941-8092-1CB357EFF364}"/>
               </a:ext>
             </a:extLst>
           </p:cNvPr>
-          <p:cNvPicPr>
-            <a:picLocks noGrp="1" noChangeAspect="1"/>
-          </p:cNvPicPr>
-          <p:nvPr>
-            <p:ph idx="1"/>
-          </p:nvPr>
-        </p:nvPicPr>
-        <p:blipFill>
-          <a:blip r:embed="rId2"/>
-          <a:stretch>
-            <a:fillRect/>
-          </a:stretch>
-        </p:blipFill>
+          <p:cNvSpPr/>
+          <p:nvPr/>
+        </p:nvSpPr>
         <p:spPr>
           <a:xfrm>
-            <a:off x="1830070" y="440272"/>
-            <a:ext cx="8572500" cy="5936816"/>
+            <a:off x="4036782" y="3244334"/>
+            <a:ext cx="4118435" cy="369332"/>
           </a:xfrm>
+          <a:prstGeom prst="rect">
+            <a:avLst/>
+          </a:prstGeom>
         </p:spPr>
-      </p:pic>
+        <p:txBody>
+          <a:bodyPr wrap="none">
+            <a:spAutoFit/>
+          </a:bodyPr>
+          <a:lstStyle/>
+          <a:p>
+            <a:r>
+              <a:rPr lang="da-DK" b="1" dirty="0" err="1">
+                <a:solidFill>
+                  <a:srgbClr val="000000"/>
+                </a:solidFill>
+                <a:latin typeface="Verdana" panose="020B0604030504040204" pitchFamily="34" charset="0"/>
+              </a:rPr>
+              <a:t>https</a:t>
+            </a:r>
+            <a:r>
+              <a:rPr lang="da-DK" b="1" dirty="0">
+                <a:solidFill>
+                  <a:srgbClr val="000000"/>
+                </a:solidFill>
+                <a:latin typeface="Verdana" panose="020B0604030504040204" pitchFamily="34" charset="0"/>
+              </a:rPr>
+              <a:t>://</a:t>
+            </a:r>
+            <a:r>
+              <a:rPr lang="da-DK" b="1" dirty="0" err="1">
+                <a:solidFill>
+                  <a:srgbClr val="000000"/>
+                </a:solidFill>
+                <a:latin typeface="Verdana" panose="020B0604030504040204" pitchFamily="34" charset="0"/>
+              </a:rPr>
+              <a:t>tinyurl.com</a:t>
+            </a:r>
+            <a:r>
+              <a:rPr lang="da-DK" b="1" dirty="0">
+                <a:solidFill>
+                  <a:srgbClr val="000000"/>
+                </a:solidFill>
+                <a:latin typeface="Verdana" panose="020B0604030504040204" pitchFamily="34" charset="0"/>
+              </a:rPr>
+              <a:t>/y7esr4b6</a:t>
+            </a:r>
+            <a:endParaRPr lang="en-GB" dirty="0"/>
+          </a:p>
+        </p:txBody>
+      </p:sp>
     </p:spTree>
     <p:extLst>
       <p:ext uri="{BB962C8B-B14F-4D97-AF65-F5344CB8AC3E}">
-        <p14:creationId xmlns:p14="http://schemas.microsoft.com/office/powerpoint/2010/main" val="2397611215"/>
+        <p14:creationId xmlns:p14="http://schemas.microsoft.com/office/powerpoint/2010/main" val="145387107"/>
       </p:ext>
     </p:extLst>
   </p:cSld>
@@ -6646,19 +6796,46 @@
           <a:chExt cx="0" cy="0"/>
         </a:xfrm>
       </p:grpSpPr>
+      <p:sp>
+        <p:nvSpPr>
+          <p:cNvPr id="2" name="Title 1">
+            <a:extLst>
+              <a:ext uri="{FF2B5EF4-FFF2-40B4-BE49-F238E27FC236}">
+                <a16:creationId xmlns:a16="http://schemas.microsoft.com/office/drawing/2014/main" id="{1607F956-EB90-8C4F-A8C0-F2357A741713}"/>
+              </a:ext>
+            </a:extLst>
+          </p:cNvPr>
+          <p:cNvSpPr>
+            <a:spLocks noGrp="1"/>
+          </p:cNvSpPr>
+          <p:nvPr>
+            <p:ph type="title"/>
+          </p:nvPr>
+        </p:nvSpPr>
+        <p:spPr/>
+        <p:txBody>
+          <a:bodyPr/>
+          <a:lstStyle/>
+          <a:p>
+            <a:endParaRPr lang="en-GB"/>
+          </a:p>
+        </p:txBody>
+      </p:sp>
       <p:pic>
         <p:nvPicPr>
-          <p:cNvPr id="5" name="Picture 4">
+          <p:cNvPr id="5" name="Content Placeholder 4">
             <a:extLst>
               <a:ext uri="{FF2B5EF4-FFF2-40B4-BE49-F238E27FC236}">
-                <a16:creationId xmlns:a16="http://schemas.microsoft.com/office/drawing/2014/main" id="{2A4CFB62-C148-1749-843D-74C4F6041065}"/>
+                <a16:creationId xmlns:a16="http://schemas.microsoft.com/office/drawing/2014/main" id="{92E022D4-3D21-6148-B698-E24EADAF3B8A}"/>
               </a:ext>
             </a:extLst>
           </p:cNvPr>
           <p:cNvPicPr>
-            <a:picLocks noChangeAspect="1"/>
+            <a:picLocks noGrp="1" noChangeAspect="1"/>
           </p:cNvPicPr>
-          <p:nvPr/>
+          <p:nvPr>
+            <p:ph idx="1"/>
+          </p:nvPr>
         </p:nvPicPr>
         <p:blipFill>
           <a:blip r:embed="rId2"/>
@@ -6668,48 +6845,15 @@
         </p:blipFill>
         <p:spPr>
           <a:xfrm>
-            <a:off x="1932940" y="665480"/>
-            <a:ext cx="7797800" cy="469900"/>
+            <a:off x="1830070" y="440272"/>
+            <a:ext cx="8572500" cy="5936816"/>
           </a:xfrm>
-          <a:prstGeom prst="rect">
-            <a:avLst/>
-          </a:prstGeom>
-        </p:spPr>
-      </p:pic>
-      <p:pic>
-        <p:nvPicPr>
-          <p:cNvPr id="7" name="Picture 6">
-            <a:extLst>
-              <a:ext uri="{FF2B5EF4-FFF2-40B4-BE49-F238E27FC236}">
-                <a16:creationId xmlns:a16="http://schemas.microsoft.com/office/drawing/2014/main" id="{7D12D3C0-71A4-3F47-8ACE-C2E2D1F614AF}"/>
-              </a:ext>
-            </a:extLst>
-          </p:cNvPr>
-          <p:cNvPicPr>
-            <a:picLocks noChangeAspect="1"/>
-          </p:cNvPicPr>
-          <p:nvPr/>
-        </p:nvPicPr>
-        <p:blipFill>
-          <a:blip r:embed="rId3"/>
-          <a:stretch>
-            <a:fillRect/>
-          </a:stretch>
-        </p:blipFill>
-        <p:spPr>
-          <a:xfrm>
-            <a:off x="1932940" y="1033780"/>
-            <a:ext cx="8331200" cy="5143500"/>
-          </a:xfrm>
-          <a:prstGeom prst="rect">
-            <a:avLst/>
-          </a:prstGeom>
         </p:spPr>
       </p:pic>
     </p:spTree>
     <p:extLst>
       <p:ext uri="{BB962C8B-B14F-4D97-AF65-F5344CB8AC3E}">
-        <p14:creationId xmlns:p14="http://schemas.microsoft.com/office/powerpoint/2010/main" val="2616707895"/>
+        <p14:creationId xmlns:p14="http://schemas.microsoft.com/office/powerpoint/2010/main" val="2397611215"/>
       </p:ext>
     </p:extLst>
   </p:cSld>
